--- a/assets/img/HiCamp.pptx
+++ b/assets/img/HiCamp.pptx
@@ -6,6 +6,7 @@
   </p:sldMasterIdLst>
   <p:sldIdLst>
     <p:sldId id="256" r:id="rId2"/>
+    <p:sldId id="257" r:id="rId3"/>
   </p:sldIdLst>
   <p:sldSz cx="12192000" cy="6858000"/>
   <p:notesSz cx="6858000" cy="9144000"/>
@@ -104,6 +105,11 @@
       </a:defRPr>
     </a:lvl9pPr>
   </p:defaultTextStyle>
+  <p:extLst>
+    <p:ext uri="{EFAFB233-063F-42B5-8137-9DF3F51BA10A}">
+      <p15:sldGuideLst xmlns:p15="http://schemas.microsoft.com/office/powerpoint/2012/main"/>
+    </p:ext>
+  </p:extLst>
 </p:presentation>
 </file>
 
@@ -256,7 +262,7 @@
           <a:p>
             <a:fld id="{D3D29FB1-B135-4D25-8692-D26F684A353F}" type="datetimeFigureOut">
               <a:rPr lang="en-CA" smtClean="0"/>
-              <a:t>2022-06-10</a:t>
+              <a:t>2022-08-02</a:t>
             </a:fld>
             <a:endParaRPr lang="en-CA"/>
           </a:p>
@@ -456,7 +462,7 @@
           <a:p>
             <a:fld id="{D3D29FB1-B135-4D25-8692-D26F684A353F}" type="datetimeFigureOut">
               <a:rPr lang="en-CA" smtClean="0"/>
-              <a:t>2022-06-10</a:t>
+              <a:t>2022-08-02</a:t>
             </a:fld>
             <a:endParaRPr lang="en-CA"/>
           </a:p>
@@ -666,7 +672,7 @@
           <a:p>
             <a:fld id="{D3D29FB1-B135-4D25-8692-D26F684A353F}" type="datetimeFigureOut">
               <a:rPr lang="en-CA" smtClean="0"/>
-              <a:t>2022-06-10</a:t>
+              <a:t>2022-08-02</a:t>
             </a:fld>
             <a:endParaRPr lang="en-CA"/>
           </a:p>
@@ -866,7 +872,7 @@
           <a:p>
             <a:fld id="{D3D29FB1-B135-4D25-8692-D26F684A353F}" type="datetimeFigureOut">
               <a:rPr lang="en-CA" smtClean="0"/>
-              <a:t>2022-06-10</a:t>
+              <a:t>2022-08-02</a:t>
             </a:fld>
             <a:endParaRPr lang="en-CA"/>
           </a:p>
@@ -1142,7 +1148,7 @@
           <a:p>
             <a:fld id="{D3D29FB1-B135-4D25-8692-D26F684A353F}" type="datetimeFigureOut">
               <a:rPr lang="en-CA" smtClean="0"/>
-              <a:t>2022-06-10</a:t>
+              <a:t>2022-08-02</a:t>
             </a:fld>
             <a:endParaRPr lang="en-CA"/>
           </a:p>
@@ -1410,7 +1416,7 @@
           <a:p>
             <a:fld id="{D3D29FB1-B135-4D25-8692-D26F684A353F}" type="datetimeFigureOut">
               <a:rPr lang="en-CA" smtClean="0"/>
-              <a:t>2022-06-10</a:t>
+              <a:t>2022-08-02</a:t>
             </a:fld>
             <a:endParaRPr lang="en-CA"/>
           </a:p>
@@ -1825,7 +1831,7 @@
           <a:p>
             <a:fld id="{D3D29FB1-B135-4D25-8692-D26F684A353F}" type="datetimeFigureOut">
               <a:rPr lang="en-CA" smtClean="0"/>
-              <a:t>2022-06-10</a:t>
+              <a:t>2022-08-02</a:t>
             </a:fld>
             <a:endParaRPr lang="en-CA"/>
           </a:p>
@@ -1967,7 +1973,7 @@
           <a:p>
             <a:fld id="{D3D29FB1-B135-4D25-8692-D26F684A353F}" type="datetimeFigureOut">
               <a:rPr lang="en-CA" smtClean="0"/>
-              <a:t>2022-06-10</a:t>
+              <a:t>2022-08-02</a:t>
             </a:fld>
             <a:endParaRPr lang="en-CA"/>
           </a:p>
@@ -2080,7 +2086,7 @@
           <a:p>
             <a:fld id="{D3D29FB1-B135-4D25-8692-D26F684A353F}" type="datetimeFigureOut">
               <a:rPr lang="en-CA" smtClean="0"/>
-              <a:t>2022-06-10</a:t>
+              <a:t>2022-08-02</a:t>
             </a:fld>
             <a:endParaRPr lang="en-CA"/>
           </a:p>
@@ -2393,7 +2399,7 @@
           <a:p>
             <a:fld id="{D3D29FB1-B135-4D25-8692-D26F684A353F}" type="datetimeFigureOut">
               <a:rPr lang="en-CA" smtClean="0"/>
-              <a:t>2022-06-10</a:t>
+              <a:t>2022-08-02</a:t>
             </a:fld>
             <a:endParaRPr lang="en-CA"/>
           </a:p>
@@ -2682,7 +2688,7 @@
           <a:p>
             <a:fld id="{D3D29FB1-B135-4D25-8692-D26F684A353F}" type="datetimeFigureOut">
               <a:rPr lang="en-CA" smtClean="0"/>
-              <a:t>2022-06-10</a:t>
+              <a:t>2022-08-02</a:t>
             </a:fld>
             <a:endParaRPr lang="en-CA"/>
           </a:p>
@@ -2925,7 +2931,7 @@
           <a:p>
             <a:fld id="{D3D29FB1-B135-4D25-8692-D26F684A353F}" type="datetimeFigureOut">
               <a:rPr lang="en-CA" smtClean="0"/>
-              <a:t>2022-06-10</a:t>
+              <a:t>2022-08-02</a:t>
             </a:fld>
             <a:endParaRPr lang="en-CA"/>
           </a:p>
@@ -3384,6 +3390,65 @@
 </p:sld>
 </file>
 
+<file path=ppt/slides/slide2.xml><?xml version="1.0" encoding="utf-8"?>
+<p:sld xmlns:a="http://schemas.openxmlformats.org/drawingml/2006/main" xmlns:r="http://schemas.openxmlformats.org/officeDocument/2006/relationships" xmlns:p="http://schemas.openxmlformats.org/presentationml/2006/main">
+  <p:cSld>
+    <p:spTree>
+      <p:nvGrpSpPr>
+        <p:cNvPr id="1" name=""/>
+        <p:cNvGrpSpPr/>
+        <p:nvPr/>
+      </p:nvGrpSpPr>
+      <p:grpSpPr>
+        <a:xfrm>
+          <a:off x="0" y="0"/>
+          <a:ext cx="0" cy="0"/>
+          <a:chOff x="0" y="0"/>
+          <a:chExt cx="0" cy="0"/>
+        </a:xfrm>
+      </p:grpSpPr>
+      <p:pic>
+        <p:nvPicPr>
+          <p:cNvPr id="3" name="Picture 2">
+            <a:extLst>
+              <a:ext uri="{FF2B5EF4-FFF2-40B4-BE49-F238E27FC236}">
+                <a16:creationId xmlns:a16="http://schemas.microsoft.com/office/drawing/2014/main" id="{6DB42B49-2E15-880C-2B33-BF1F3E087649}"/>
+              </a:ext>
+            </a:extLst>
+          </p:cNvPr>
+          <p:cNvPicPr>
+            <a:picLocks noChangeAspect="1"/>
+          </p:cNvPicPr>
+          <p:nvPr/>
+        </p:nvPicPr>
+        <p:blipFill rotWithShape="1">
+          <a:blip r:embed="rId2"/>
+          <a:srcRect t="11594" b="5700"/>
+          <a:stretch/>
+        </p:blipFill>
+        <p:spPr>
+          <a:xfrm>
+            <a:off x="0" y="0"/>
+            <a:ext cx="12145554" cy="6278137"/>
+          </a:xfrm>
+          <a:prstGeom prst="rect">
+            <a:avLst/>
+          </a:prstGeom>
+        </p:spPr>
+      </p:pic>
+    </p:spTree>
+    <p:extLst>
+      <p:ext uri="{BB962C8B-B14F-4D97-AF65-F5344CB8AC3E}">
+        <p14:creationId xmlns:p14="http://schemas.microsoft.com/office/powerpoint/2010/main" val="792191445"/>
+      </p:ext>
+    </p:extLst>
+  </p:cSld>
+  <p:clrMapOvr>
+    <a:masterClrMapping/>
+  </p:clrMapOvr>
+</p:sld>
+</file>
+
 <file path=ppt/theme/theme1.xml><?xml version="1.0" encoding="utf-8"?>
 <a:theme xmlns:a="http://schemas.openxmlformats.org/drawingml/2006/main" name="Office Theme">
   <a:themeElements>

--- a/assets/img/HiCamp.pptx
+++ b/assets/img/HiCamp.pptx
@@ -6,7 +6,9 @@
   </p:sldMasterIdLst>
   <p:sldIdLst>
     <p:sldId id="256" r:id="rId2"/>
-    <p:sldId id="257" r:id="rId3"/>
+    <p:sldId id="258" r:id="rId3"/>
+    <p:sldId id="259" r:id="rId4"/>
+    <p:sldId id="257" r:id="rId5"/>
   </p:sldIdLst>
   <p:sldSz cx="12192000" cy="6858000"/>
   <p:notesSz cx="6858000" cy="9144000"/>
@@ -262,7 +264,7 @@
           <a:p>
             <a:fld id="{D3D29FB1-B135-4D25-8692-D26F684A353F}" type="datetimeFigureOut">
               <a:rPr lang="en-CA" smtClean="0"/>
-              <a:t>2022-08-02</a:t>
+              <a:t>2022-08-14</a:t>
             </a:fld>
             <a:endParaRPr lang="en-CA"/>
           </a:p>
@@ -462,7 +464,7 @@
           <a:p>
             <a:fld id="{D3D29FB1-B135-4D25-8692-D26F684A353F}" type="datetimeFigureOut">
               <a:rPr lang="en-CA" smtClean="0"/>
-              <a:t>2022-08-02</a:t>
+              <a:t>2022-08-14</a:t>
             </a:fld>
             <a:endParaRPr lang="en-CA"/>
           </a:p>
@@ -672,7 +674,7 @@
           <a:p>
             <a:fld id="{D3D29FB1-B135-4D25-8692-D26F684A353F}" type="datetimeFigureOut">
               <a:rPr lang="en-CA" smtClean="0"/>
-              <a:t>2022-08-02</a:t>
+              <a:t>2022-08-14</a:t>
             </a:fld>
             <a:endParaRPr lang="en-CA"/>
           </a:p>
@@ -872,7 +874,7 @@
           <a:p>
             <a:fld id="{D3D29FB1-B135-4D25-8692-D26F684A353F}" type="datetimeFigureOut">
               <a:rPr lang="en-CA" smtClean="0"/>
-              <a:t>2022-08-02</a:t>
+              <a:t>2022-08-14</a:t>
             </a:fld>
             <a:endParaRPr lang="en-CA"/>
           </a:p>
@@ -1148,7 +1150,7 @@
           <a:p>
             <a:fld id="{D3D29FB1-B135-4D25-8692-D26F684A353F}" type="datetimeFigureOut">
               <a:rPr lang="en-CA" smtClean="0"/>
-              <a:t>2022-08-02</a:t>
+              <a:t>2022-08-14</a:t>
             </a:fld>
             <a:endParaRPr lang="en-CA"/>
           </a:p>
@@ -1416,7 +1418,7 @@
           <a:p>
             <a:fld id="{D3D29FB1-B135-4D25-8692-D26F684A353F}" type="datetimeFigureOut">
               <a:rPr lang="en-CA" smtClean="0"/>
-              <a:t>2022-08-02</a:t>
+              <a:t>2022-08-14</a:t>
             </a:fld>
             <a:endParaRPr lang="en-CA"/>
           </a:p>
@@ -1831,7 +1833,7 @@
           <a:p>
             <a:fld id="{D3D29FB1-B135-4D25-8692-D26F684A353F}" type="datetimeFigureOut">
               <a:rPr lang="en-CA" smtClean="0"/>
-              <a:t>2022-08-02</a:t>
+              <a:t>2022-08-14</a:t>
             </a:fld>
             <a:endParaRPr lang="en-CA"/>
           </a:p>
@@ -1973,7 +1975,7 @@
           <a:p>
             <a:fld id="{D3D29FB1-B135-4D25-8692-D26F684A353F}" type="datetimeFigureOut">
               <a:rPr lang="en-CA" smtClean="0"/>
-              <a:t>2022-08-02</a:t>
+              <a:t>2022-08-14</a:t>
             </a:fld>
             <a:endParaRPr lang="en-CA"/>
           </a:p>
@@ -2086,7 +2088,7 @@
           <a:p>
             <a:fld id="{D3D29FB1-B135-4D25-8692-D26F684A353F}" type="datetimeFigureOut">
               <a:rPr lang="en-CA" smtClean="0"/>
-              <a:t>2022-08-02</a:t>
+              <a:t>2022-08-14</a:t>
             </a:fld>
             <a:endParaRPr lang="en-CA"/>
           </a:p>
@@ -2399,7 +2401,7 @@
           <a:p>
             <a:fld id="{D3D29FB1-B135-4D25-8692-D26F684A353F}" type="datetimeFigureOut">
               <a:rPr lang="en-CA" smtClean="0"/>
-              <a:t>2022-08-02</a:t>
+              <a:t>2022-08-14</a:t>
             </a:fld>
             <a:endParaRPr lang="en-CA"/>
           </a:p>
@@ -2688,7 +2690,7 @@
           <a:p>
             <a:fld id="{D3D29FB1-B135-4D25-8692-D26F684A353F}" type="datetimeFigureOut">
               <a:rPr lang="en-CA" smtClean="0"/>
-              <a:t>2022-08-02</a:t>
+              <a:t>2022-08-14</a:t>
             </a:fld>
             <a:endParaRPr lang="en-CA"/>
           </a:p>
@@ -2931,7 +2933,7 @@
           <a:p>
             <a:fld id="{D3D29FB1-B135-4D25-8692-D26F684A353F}" type="datetimeFigureOut">
               <a:rPr lang="en-CA" smtClean="0"/>
-              <a:t>2022-08-02</a:t>
+              <a:t>2022-08-14</a:t>
             </a:fld>
             <a:endParaRPr lang="en-CA"/>
           </a:p>
@@ -3391,6 +3393,124 @@
 </file>
 
 <file path=ppt/slides/slide2.xml><?xml version="1.0" encoding="utf-8"?>
+<p:sld xmlns:a="http://schemas.openxmlformats.org/drawingml/2006/main" xmlns:r="http://schemas.openxmlformats.org/officeDocument/2006/relationships" xmlns:p="http://schemas.openxmlformats.org/presentationml/2006/main">
+  <p:cSld>
+    <p:spTree>
+      <p:nvGrpSpPr>
+        <p:cNvPr id="1" name=""/>
+        <p:cNvGrpSpPr/>
+        <p:nvPr/>
+      </p:nvGrpSpPr>
+      <p:grpSpPr>
+        <a:xfrm>
+          <a:off x="0" y="0"/>
+          <a:ext cx="0" cy="0"/>
+          <a:chOff x="0" y="0"/>
+          <a:chExt cx="0" cy="0"/>
+        </a:xfrm>
+      </p:grpSpPr>
+      <p:pic>
+        <p:nvPicPr>
+          <p:cNvPr id="3" name="Picture 2">
+            <a:extLst>
+              <a:ext uri="{FF2B5EF4-FFF2-40B4-BE49-F238E27FC236}">
+                <a16:creationId xmlns:a16="http://schemas.microsoft.com/office/drawing/2014/main" id="{4DDB3BEA-1E71-1738-732E-9350280111CC}"/>
+              </a:ext>
+            </a:extLst>
+          </p:cNvPr>
+          <p:cNvPicPr>
+            <a:picLocks noChangeAspect="1"/>
+          </p:cNvPicPr>
+          <p:nvPr/>
+        </p:nvPicPr>
+        <p:blipFill rotWithShape="1">
+          <a:blip r:embed="rId2"/>
+          <a:srcRect t="11787" r="1805" b="5665"/>
+          <a:stretch/>
+        </p:blipFill>
+        <p:spPr>
+          <a:xfrm>
+            <a:off x="0" y="-1"/>
+            <a:ext cx="12161312" cy="6389649"/>
+          </a:xfrm>
+          <a:prstGeom prst="rect">
+            <a:avLst/>
+          </a:prstGeom>
+        </p:spPr>
+      </p:pic>
+    </p:spTree>
+    <p:extLst>
+      <p:ext uri="{BB962C8B-B14F-4D97-AF65-F5344CB8AC3E}">
+        <p14:creationId xmlns:p14="http://schemas.microsoft.com/office/powerpoint/2010/main" val="2737497965"/>
+      </p:ext>
+    </p:extLst>
+  </p:cSld>
+  <p:clrMapOvr>
+    <a:masterClrMapping/>
+  </p:clrMapOvr>
+</p:sld>
+</file>
+
+<file path=ppt/slides/slide3.xml><?xml version="1.0" encoding="utf-8"?>
+<p:sld xmlns:a="http://schemas.openxmlformats.org/drawingml/2006/main" xmlns:r="http://schemas.openxmlformats.org/officeDocument/2006/relationships" xmlns:p="http://schemas.openxmlformats.org/presentationml/2006/main">
+  <p:cSld>
+    <p:spTree>
+      <p:nvGrpSpPr>
+        <p:cNvPr id="1" name=""/>
+        <p:cNvGrpSpPr/>
+        <p:nvPr/>
+      </p:nvGrpSpPr>
+      <p:grpSpPr>
+        <a:xfrm>
+          <a:off x="0" y="0"/>
+          <a:ext cx="0" cy="0"/>
+          <a:chOff x="0" y="0"/>
+          <a:chExt cx="0" cy="0"/>
+        </a:xfrm>
+      </p:grpSpPr>
+      <p:pic>
+        <p:nvPicPr>
+          <p:cNvPr id="4" name="Picture 3">
+            <a:extLst>
+              <a:ext uri="{FF2B5EF4-FFF2-40B4-BE49-F238E27FC236}">
+                <a16:creationId xmlns:a16="http://schemas.microsoft.com/office/drawing/2014/main" id="{00D9F49E-DA93-9979-7E87-71FAA1275B68}"/>
+              </a:ext>
+            </a:extLst>
+          </p:cNvPr>
+          <p:cNvPicPr>
+            <a:picLocks noChangeAspect="1"/>
+          </p:cNvPicPr>
+          <p:nvPr/>
+        </p:nvPicPr>
+        <p:blipFill rotWithShape="1">
+          <a:blip r:embed="rId2"/>
+          <a:srcRect l="2794" t="12714" r="3573" b="6281"/>
+          <a:stretch/>
+        </p:blipFill>
+        <p:spPr>
+          <a:xfrm>
+            <a:off x="0" y="0"/>
+            <a:ext cx="12167524" cy="6579220"/>
+          </a:xfrm>
+          <a:prstGeom prst="rect">
+            <a:avLst/>
+          </a:prstGeom>
+        </p:spPr>
+      </p:pic>
+    </p:spTree>
+    <p:extLst>
+      <p:ext uri="{BB962C8B-B14F-4D97-AF65-F5344CB8AC3E}">
+        <p14:creationId xmlns:p14="http://schemas.microsoft.com/office/powerpoint/2010/main" val="1049688101"/>
+      </p:ext>
+    </p:extLst>
+  </p:cSld>
+  <p:clrMapOvr>
+    <a:masterClrMapping/>
+  </p:clrMapOvr>
+</p:sld>
+</file>
+
+<file path=ppt/slides/slide4.xml><?xml version="1.0" encoding="utf-8"?>
 <p:sld xmlns:a="http://schemas.openxmlformats.org/drawingml/2006/main" xmlns:r="http://schemas.openxmlformats.org/officeDocument/2006/relationships" xmlns:p="http://schemas.openxmlformats.org/presentationml/2006/main">
   <p:cSld>
     <p:spTree>
